--- a/ppt 16-9/1028.当仰望神.pptx
+++ b/ppt 16-9/1028.当仰望神.pptx
@@ -129,7 +129,7 @@
           <p:cNvPr id="2" name="标题 1">
             <a:extLst>
               <a:ext uri="{FF2B5EF4-FFF2-40B4-BE49-F238E27FC236}">
-                <a16:creationId xmlns:a16="http://schemas.microsoft.com/office/drawing/2014/main" id="{0876DEC8-7581-0BE4-91BB-884391F87DAB}"/>
+                <a16:creationId xmlns:a16="http://schemas.microsoft.com/office/drawing/2014/main" id="{06B6629F-0F1F-EFF9-4B87-CD912CFC1193}"/>
               </a:ext>
             </a:extLst>
           </p:cNvPr>
@@ -166,7 +166,7 @@
           <p:cNvPr id="3" name="副标题 2">
             <a:extLst>
               <a:ext uri="{FF2B5EF4-FFF2-40B4-BE49-F238E27FC236}">
-                <a16:creationId xmlns:a16="http://schemas.microsoft.com/office/drawing/2014/main" id="{F1CBDDA4-649B-E253-AD5A-16C8D26AF1E1}"/>
+                <a16:creationId xmlns:a16="http://schemas.microsoft.com/office/drawing/2014/main" id="{4858CB5E-3F33-9AC4-E56D-8EF5F71FBAA0}"/>
               </a:ext>
             </a:extLst>
           </p:cNvPr>
@@ -236,7 +236,7 @@
           <p:cNvPr id="4" name="日期占位符 3">
             <a:extLst>
               <a:ext uri="{FF2B5EF4-FFF2-40B4-BE49-F238E27FC236}">
-                <a16:creationId xmlns:a16="http://schemas.microsoft.com/office/drawing/2014/main" id="{8568879F-BB01-EC6E-E322-4D7E5BF82B8C}"/>
+                <a16:creationId xmlns:a16="http://schemas.microsoft.com/office/drawing/2014/main" id="{F296B0FB-921A-17EB-613C-4499B36320A0}"/>
               </a:ext>
             </a:extLst>
           </p:cNvPr>
@@ -252,7 +252,7 @@
           <a:bodyPr/>
           <a:lstStyle/>
           <a:p>
-            <a:fld id="{95A6F6A0-69D8-4A69-A49F-D7B85D5C4CD1}" type="datetimeFigureOut">
+            <a:fld id="{5B08CCA3-4126-4D33-BFD4-2E02B7B80660}" type="datetimeFigureOut">
               <a:rPr lang="zh-CN" altLang="en-US" smtClean="0"/>
               <a:t>2024/3/10</a:t>
             </a:fld>
@@ -265,7 +265,7 @@
           <p:cNvPr id="5" name="页脚占位符 4">
             <a:extLst>
               <a:ext uri="{FF2B5EF4-FFF2-40B4-BE49-F238E27FC236}">
-                <a16:creationId xmlns:a16="http://schemas.microsoft.com/office/drawing/2014/main" id="{4B1C1754-5C02-5B7E-7E2F-88498DBE1590}"/>
+                <a16:creationId xmlns:a16="http://schemas.microsoft.com/office/drawing/2014/main" id="{CCE14A38-4F54-076E-D3DC-00012136284A}"/>
               </a:ext>
             </a:extLst>
           </p:cNvPr>
@@ -290,7 +290,7 @@
           <p:cNvPr id="6" name="灯片编号占位符 5">
             <a:extLst>
               <a:ext uri="{FF2B5EF4-FFF2-40B4-BE49-F238E27FC236}">
-                <a16:creationId xmlns:a16="http://schemas.microsoft.com/office/drawing/2014/main" id="{B872B370-3241-57FD-3C23-A99B62D7F5E4}"/>
+                <a16:creationId xmlns:a16="http://schemas.microsoft.com/office/drawing/2014/main" id="{8C738FEB-2DCD-BBF6-F1F0-2001B6F6F3EA}"/>
               </a:ext>
             </a:extLst>
           </p:cNvPr>
@@ -306,7 +306,7 @@
           <a:bodyPr/>
           <a:lstStyle/>
           <a:p>
-            <a:fld id="{1877DEC5-8EB4-4A1F-97E5-B83E61D097DA}" type="slidenum">
+            <a:fld id="{A01466E4-71CF-4383-9454-29A77E51602C}" type="slidenum">
               <a:rPr lang="zh-CN" altLang="en-US" smtClean="0"/>
               <a:t>‹#›</a:t>
             </a:fld>
@@ -317,7 +317,7 @@
     </p:spTree>
     <p:extLst>
       <p:ext uri="{BB962C8B-B14F-4D97-AF65-F5344CB8AC3E}">
-        <p14:creationId xmlns:p14="http://schemas.microsoft.com/office/powerpoint/2010/main" val="723547441"/>
+        <p14:creationId xmlns:p14="http://schemas.microsoft.com/office/powerpoint/2010/main" val="3929004278"/>
       </p:ext>
     </p:extLst>
   </p:cSld>
@@ -349,7 +349,7 @@
           <p:cNvPr id="2" name="标题 1">
             <a:extLst>
               <a:ext uri="{FF2B5EF4-FFF2-40B4-BE49-F238E27FC236}">
-                <a16:creationId xmlns:a16="http://schemas.microsoft.com/office/drawing/2014/main" id="{CACCCB3D-A33E-ED49-249D-26DB65C79F77}"/>
+                <a16:creationId xmlns:a16="http://schemas.microsoft.com/office/drawing/2014/main" id="{27782107-B3C0-475D-167B-B8CA975A3C75}"/>
               </a:ext>
             </a:extLst>
           </p:cNvPr>
@@ -377,7 +377,7 @@
           <p:cNvPr id="3" name="竖排文字占位符 2">
             <a:extLst>
               <a:ext uri="{FF2B5EF4-FFF2-40B4-BE49-F238E27FC236}">
-                <a16:creationId xmlns:a16="http://schemas.microsoft.com/office/drawing/2014/main" id="{7F6597C1-5847-8544-8CE2-AD53A7C11931}"/>
+                <a16:creationId xmlns:a16="http://schemas.microsoft.com/office/drawing/2014/main" id="{27D97B72-76FC-611A-B0A0-D5086C2DA335}"/>
               </a:ext>
             </a:extLst>
           </p:cNvPr>
@@ -434,7 +434,7 @@
           <p:cNvPr id="4" name="日期占位符 3">
             <a:extLst>
               <a:ext uri="{FF2B5EF4-FFF2-40B4-BE49-F238E27FC236}">
-                <a16:creationId xmlns:a16="http://schemas.microsoft.com/office/drawing/2014/main" id="{EAEF1A8D-6DB0-4EC3-DF9D-CFF754C14025}"/>
+                <a16:creationId xmlns:a16="http://schemas.microsoft.com/office/drawing/2014/main" id="{2A1A821D-9BD1-9C06-258D-7E734ECE6B14}"/>
               </a:ext>
             </a:extLst>
           </p:cNvPr>
@@ -450,7 +450,7 @@
           <a:bodyPr/>
           <a:lstStyle/>
           <a:p>
-            <a:fld id="{95A6F6A0-69D8-4A69-A49F-D7B85D5C4CD1}" type="datetimeFigureOut">
+            <a:fld id="{5B08CCA3-4126-4D33-BFD4-2E02B7B80660}" type="datetimeFigureOut">
               <a:rPr lang="zh-CN" altLang="en-US" smtClean="0"/>
               <a:t>2024/3/10</a:t>
             </a:fld>
@@ -463,7 +463,7 @@
           <p:cNvPr id="5" name="页脚占位符 4">
             <a:extLst>
               <a:ext uri="{FF2B5EF4-FFF2-40B4-BE49-F238E27FC236}">
-                <a16:creationId xmlns:a16="http://schemas.microsoft.com/office/drawing/2014/main" id="{05B2E4D0-1AA6-F0C9-807C-24D9CB3D0616}"/>
+                <a16:creationId xmlns:a16="http://schemas.microsoft.com/office/drawing/2014/main" id="{423A8756-5B6F-46F4-2049-0C62ABCB37F5}"/>
               </a:ext>
             </a:extLst>
           </p:cNvPr>
@@ -488,7 +488,7 @@
           <p:cNvPr id="6" name="灯片编号占位符 5">
             <a:extLst>
               <a:ext uri="{FF2B5EF4-FFF2-40B4-BE49-F238E27FC236}">
-                <a16:creationId xmlns:a16="http://schemas.microsoft.com/office/drawing/2014/main" id="{C3B940C2-A905-E922-8EA6-CC0621081ED9}"/>
+                <a16:creationId xmlns:a16="http://schemas.microsoft.com/office/drawing/2014/main" id="{9B40B8AD-483E-C4B6-AE2F-D2CA083A65DA}"/>
               </a:ext>
             </a:extLst>
           </p:cNvPr>
@@ -504,7 +504,7 @@
           <a:bodyPr/>
           <a:lstStyle/>
           <a:p>
-            <a:fld id="{1877DEC5-8EB4-4A1F-97E5-B83E61D097DA}" type="slidenum">
+            <a:fld id="{A01466E4-71CF-4383-9454-29A77E51602C}" type="slidenum">
               <a:rPr lang="zh-CN" altLang="en-US" smtClean="0"/>
               <a:t>‹#›</a:t>
             </a:fld>
@@ -515,7 +515,7 @@
     </p:spTree>
     <p:extLst>
       <p:ext uri="{BB962C8B-B14F-4D97-AF65-F5344CB8AC3E}">
-        <p14:creationId xmlns:p14="http://schemas.microsoft.com/office/powerpoint/2010/main" val="4090895865"/>
+        <p14:creationId xmlns:p14="http://schemas.microsoft.com/office/powerpoint/2010/main" val="648875532"/>
       </p:ext>
     </p:extLst>
   </p:cSld>
@@ -547,7 +547,7 @@
           <p:cNvPr id="2" name="竖排标题 1">
             <a:extLst>
               <a:ext uri="{FF2B5EF4-FFF2-40B4-BE49-F238E27FC236}">
-                <a16:creationId xmlns:a16="http://schemas.microsoft.com/office/drawing/2014/main" id="{18777F65-2A5F-A765-4D7A-A54EEDD9634A}"/>
+                <a16:creationId xmlns:a16="http://schemas.microsoft.com/office/drawing/2014/main" id="{A1AF9DBA-C2BA-19A3-BD21-12CFEAF95228}"/>
               </a:ext>
             </a:extLst>
           </p:cNvPr>
@@ -580,7 +580,7 @@
           <p:cNvPr id="3" name="竖排文字占位符 2">
             <a:extLst>
               <a:ext uri="{FF2B5EF4-FFF2-40B4-BE49-F238E27FC236}">
-                <a16:creationId xmlns:a16="http://schemas.microsoft.com/office/drawing/2014/main" id="{32043FF7-F392-9701-26DA-8CDDB989BAFB}"/>
+                <a16:creationId xmlns:a16="http://schemas.microsoft.com/office/drawing/2014/main" id="{CEB16165-3A6B-9496-79CF-A41178F49040}"/>
               </a:ext>
             </a:extLst>
           </p:cNvPr>
@@ -642,7 +642,7 @@
           <p:cNvPr id="4" name="日期占位符 3">
             <a:extLst>
               <a:ext uri="{FF2B5EF4-FFF2-40B4-BE49-F238E27FC236}">
-                <a16:creationId xmlns:a16="http://schemas.microsoft.com/office/drawing/2014/main" id="{6E3D940D-6B89-2817-00C0-2C6AE207FCB0}"/>
+                <a16:creationId xmlns:a16="http://schemas.microsoft.com/office/drawing/2014/main" id="{DF151689-0720-64CC-385D-0786ABFB703F}"/>
               </a:ext>
             </a:extLst>
           </p:cNvPr>
@@ -658,7 +658,7 @@
           <a:bodyPr/>
           <a:lstStyle/>
           <a:p>
-            <a:fld id="{95A6F6A0-69D8-4A69-A49F-D7B85D5C4CD1}" type="datetimeFigureOut">
+            <a:fld id="{5B08CCA3-4126-4D33-BFD4-2E02B7B80660}" type="datetimeFigureOut">
               <a:rPr lang="zh-CN" altLang="en-US" smtClean="0"/>
               <a:t>2024/3/10</a:t>
             </a:fld>
@@ -671,7 +671,7 @@
           <p:cNvPr id="5" name="页脚占位符 4">
             <a:extLst>
               <a:ext uri="{FF2B5EF4-FFF2-40B4-BE49-F238E27FC236}">
-                <a16:creationId xmlns:a16="http://schemas.microsoft.com/office/drawing/2014/main" id="{D20E23CC-CF75-229E-DA0C-FF94C52892E1}"/>
+                <a16:creationId xmlns:a16="http://schemas.microsoft.com/office/drawing/2014/main" id="{53B77204-092F-8AA3-9A98-AD215F75C103}"/>
               </a:ext>
             </a:extLst>
           </p:cNvPr>
@@ -696,7 +696,7 @@
           <p:cNvPr id="6" name="灯片编号占位符 5">
             <a:extLst>
               <a:ext uri="{FF2B5EF4-FFF2-40B4-BE49-F238E27FC236}">
-                <a16:creationId xmlns:a16="http://schemas.microsoft.com/office/drawing/2014/main" id="{EE1B0891-658A-F950-CF73-0A6A6819890D}"/>
+                <a16:creationId xmlns:a16="http://schemas.microsoft.com/office/drawing/2014/main" id="{8488A76C-B637-CB88-3359-3F0DC16CD19D}"/>
               </a:ext>
             </a:extLst>
           </p:cNvPr>
@@ -712,7 +712,7 @@
           <a:bodyPr/>
           <a:lstStyle/>
           <a:p>
-            <a:fld id="{1877DEC5-8EB4-4A1F-97E5-B83E61D097DA}" type="slidenum">
+            <a:fld id="{A01466E4-71CF-4383-9454-29A77E51602C}" type="slidenum">
               <a:rPr lang="zh-CN" altLang="en-US" smtClean="0"/>
               <a:t>‹#›</a:t>
             </a:fld>
@@ -723,7 +723,7 @@
     </p:spTree>
     <p:extLst>
       <p:ext uri="{BB962C8B-B14F-4D97-AF65-F5344CB8AC3E}">
-        <p14:creationId xmlns:p14="http://schemas.microsoft.com/office/powerpoint/2010/main" val="4254769213"/>
+        <p14:creationId xmlns:p14="http://schemas.microsoft.com/office/powerpoint/2010/main" val="1803794967"/>
       </p:ext>
     </p:extLst>
   </p:cSld>
@@ -755,7 +755,7 @@
           <p:cNvPr id="2" name="标题 1">
             <a:extLst>
               <a:ext uri="{FF2B5EF4-FFF2-40B4-BE49-F238E27FC236}">
-                <a16:creationId xmlns:a16="http://schemas.microsoft.com/office/drawing/2014/main" id="{535D0EB9-951F-499C-F2AE-3C4ADAFC37A8}"/>
+                <a16:creationId xmlns:a16="http://schemas.microsoft.com/office/drawing/2014/main" id="{2D500D64-7212-9958-4C1E-A14B4D6B8C17}"/>
               </a:ext>
             </a:extLst>
           </p:cNvPr>
@@ -783,7 +783,7 @@
           <p:cNvPr id="3" name="内容占位符 2">
             <a:extLst>
               <a:ext uri="{FF2B5EF4-FFF2-40B4-BE49-F238E27FC236}">
-                <a16:creationId xmlns:a16="http://schemas.microsoft.com/office/drawing/2014/main" id="{6BF7E9A6-32C8-AE16-6D26-FC93D5E64719}"/>
+                <a16:creationId xmlns:a16="http://schemas.microsoft.com/office/drawing/2014/main" id="{81AA3870-FCBF-9982-2A37-D30A841A11B9}"/>
               </a:ext>
             </a:extLst>
           </p:cNvPr>
@@ -840,7 +840,7 @@
           <p:cNvPr id="4" name="日期占位符 3">
             <a:extLst>
               <a:ext uri="{FF2B5EF4-FFF2-40B4-BE49-F238E27FC236}">
-                <a16:creationId xmlns:a16="http://schemas.microsoft.com/office/drawing/2014/main" id="{7628AA92-3ACE-9ED4-D0FB-E3BDC75A3BD6}"/>
+                <a16:creationId xmlns:a16="http://schemas.microsoft.com/office/drawing/2014/main" id="{0C51D847-4940-47F1-8193-3161C7BA38A5}"/>
               </a:ext>
             </a:extLst>
           </p:cNvPr>
@@ -856,7 +856,7 @@
           <a:bodyPr/>
           <a:lstStyle/>
           <a:p>
-            <a:fld id="{95A6F6A0-69D8-4A69-A49F-D7B85D5C4CD1}" type="datetimeFigureOut">
+            <a:fld id="{5B08CCA3-4126-4D33-BFD4-2E02B7B80660}" type="datetimeFigureOut">
               <a:rPr lang="zh-CN" altLang="en-US" smtClean="0"/>
               <a:t>2024/3/10</a:t>
             </a:fld>
@@ -869,7 +869,7 @@
           <p:cNvPr id="5" name="页脚占位符 4">
             <a:extLst>
               <a:ext uri="{FF2B5EF4-FFF2-40B4-BE49-F238E27FC236}">
-                <a16:creationId xmlns:a16="http://schemas.microsoft.com/office/drawing/2014/main" id="{025048BB-5AFA-2083-C01C-B36E7D405383}"/>
+                <a16:creationId xmlns:a16="http://schemas.microsoft.com/office/drawing/2014/main" id="{328C52B9-193C-8D51-F57E-DE9EB1DF8A13}"/>
               </a:ext>
             </a:extLst>
           </p:cNvPr>
@@ -894,7 +894,7 @@
           <p:cNvPr id="6" name="灯片编号占位符 5">
             <a:extLst>
               <a:ext uri="{FF2B5EF4-FFF2-40B4-BE49-F238E27FC236}">
-                <a16:creationId xmlns:a16="http://schemas.microsoft.com/office/drawing/2014/main" id="{289BC856-940B-5F44-C8D8-CA80A0B53559}"/>
+                <a16:creationId xmlns:a16="http://schemas.microsoft.com/office/drawing/2014/main" id="{468F7A81-AC4E-7F38-ADB7-C2C83043EB1C}"/>
               </a:ext>
             </a:extLst>
           </p:cNvPr>
@@ -910,7 +910,7 @@
           <a:bodyPr/>
           <a:lstStyle/>
           <a:p>
-            <a:fld id="{1877DEC5-8EB4-4A1F-97E5-B83E61D097DA}" type="slidenum">
+            <a:fld id="{A01466E4-71CF-4383-9454-29A77E51602C}" type="slidenum">
               <a:rPr lang="zh-CN" altLang="en-US" smtClean="0"/>
               <a:t>‹#›</a:t>
             </a:fld>
@@ -921,7 +921,7 @@
     </p:spTree>
     <p:extLst>
       <p:ext uri="{BB962C8B-B14F-4D97-AF65-F5344CB8AC3E}">
-        <p14:creationId xmlns:p14="http://schemas.microsoft.com/office/powerpoint/2010/main" val="717663905"/>
+        <p14:creationId xmlns:p14="http://schemas.microsoft.com/office/powerpoint/2010/main" val="3038147957"/>
       </p:ext>
     </p:extLst>
   </p:cSld>
@@ -953,7 +953,7 @@
           <p:cNvPr id="2" name="标题 1">
             <a:extLst>
               <a:ext uri="{FF2B5EF4-FFF2-40B4-BE49-F238E27FC236}">
-                <a16:creationId xmlns:a16="http://schemas.microsoft.com/office/drawing/2014/main" id="{F2BD8B52-F2B6-8116-F161-DC8CA2390593}"/>
+                <a16:creationId xmlns:a16="http://schemas.microsoft.com/office/drawing/2014/main" id="{8EB80D6F-0B65-CAEA-89F7-54222D368B03}"/>
               </a:ext>
             </a:extLst>
           </p:cNvPr>
@@ -990,7 +990,7 @@
           <p:cNvPr id="3" name="文本占位符 2">
             <a:extLst>
               <a:ext uri="{FF2B5EF4-FFF2-40B4-BE49-F238E27FC236}">
-                <a16:creationId xmlns:a16="http://schemas.microsoft.com/office/drawing/2014/main" id="{0E722147-D1A5-588B-2382-EFA7F581AEE2}"/>
+                <a16:creationId xmlns:a16="http://schemas.microsoft.com/office/drawing/2014/main" id="{7DBD342E-1F52-29DD-D554-11C39A93990E}"/>
               </a:ext>
             </a:extLst>
           </p:cNvPr>
@@ -1115,7 +1115,7 @@
           <p:cNvPr id="4" name="日期占位符 3">
             <a:extLst>
               <a:ext uri="{FF2B5EF4-FFF2-40B4-BE49-F238E27FC236}">
-                <a16:creationId xmlns:a16="http://schemas.microsoft.com/office/drawing/2014/main" id="{C3012ABF-EFBD-7036-1135-96824F86A799}"/>
+                <a16:creationId xmlns:a16="http://schemas.microsoft.com/office/drawing/2014/main" id="{3754D9AB-930B-22F1-D40D-A999AD308745}"/>
               </a:ext>
             </a:extLst>
           </p:cNvPr>
@@ -1131,7 +1131,7 @@
           <a:bodyPr/>
           <a:lstStyle/>
           <a:p>
-            <a:fld id="{95A6F6A0-69D8-4A69-A49F-D7B85D5C4CD1}" type="datetimeFigureOut">
+            <a:fld id="{5B08CCA3-4126-4D33-BFD4-2E02B7B80660}" type="datetimeFigureOut">
               <a:rPr lang="zh-CN" altLang="en-US" smtClean="0"/>
               <a:t>2024/3/10</a:t>
             </a:fld>
@@ -1144,7 +1144,7 @@
           <p:cNvPr id="5" name="页脚占位符 4">
             <a:extLst>
               <a:ext uri="{FF2B5EF4-FFF2-40B4-BE49-F238E27FC236}">
-                <a16:creationId xmlns:a16="http://schemas.microsoft.com/office/drawing/2014/main" id="{8C8978B2-1BA9-9908-A1B4-F743DFAED35E}"/>
+                <a16:creationId xmlns:a16="http://schemas.microsoft.com/office/drawing/2014/main" id="{734B90A4-1240-B3F1-FBF2-DC21A13F4BD4}"/>
               </a:ext>
             </a:extLst>
           </p:cNvPr>
@@ -1169,7 +1169,7 @@
           <p:cNvPr id="6" name="灯片编号占位符 5">
             <a:extLst>
               <a:ext uri="{FF2B5EF4-FFF2-40B4-BE49-F238E27FC236}">
-                <a16:creationId xmlns:a16="http://schemas.microsoft.com/office/drawing/2014/main" id="{8C5FC89E-9259-3928-E754-3B72247DC3C9}"/>
+                <a16:creationId xmlns:a16="http://schemas.microsoft.com/office/drawing/2014/main" id="{C003388B-3A5B-0DE4-6C7B-A43BB55112F6}"/>
               </a:ext>
             </a:extLst>
           </p:cNvPr>
@@ -1185,7 +1185,7 @@
           <a:bodyPr/>
           <a:lstStyle/>
           <a:p>
-            <a:fld id="{1877DEC5-8EB4-4A1F-97E5-B83E61D097DA}" type="slidenum">
+            <a:fld id="{A01466E4-71CF-4383-9454-29A77E51602C}" type="slidenum">
               <a:rPr lang="zh-CN" altLang="en-US" smtClean="0"/>
               <a:t>‹#›</a:t>
             </a:fld>
@@ -1196,7 +1196,7 @@
     </p:spTree>
     <p:extLst>
       <p:ext uri="{BB962C8B-B14F-4D97-AF65-F5344CB8AC3E}">
-        <p14:creationId xmlns:p14="http://schemas.microsoft.com/office/powerpoint/2010/main" val="4061407088"/>
+        <p14:creationId xmlns:p14="http://schemas.microsoft.com/office/powerpoint/2010/main" val="3870082427"/>
       </p:ext>
     </p:extLst>
   </p:cSld>
@@ -1228,7 +1228,7 @@
           <p:cNvPr id="2" name="标题 1">
             <a:extLst>
               <a:ext uri="{FF2B5EF4-FFF2-40B4-BE49-F238E27FC236}">
-                <a16:creationId xmlns:a16="http://schemas.microsoft.com/office/drawing/2014/main" id="{12784C99-CEB4-8729-E4B4-046206495FEA}"/>
+                <a16:creationId xmlns:a16="http://schemas.microsoft.com/office/drawing/2014/main" id="{D2F9C9D3-75FE-799E-4700-A012AA88F56A}"/>
               </a:ext>
             </a:extLst>
           </p:cNvPr>
@@ -1256,7 +1256,7 @@
           <p:cNvPr id="3" name="内容占位符 2">
             <a:extLst>
               <a:ext uri="{FF2B5EF4-FFF2-40B4-BE49-F238E27FC236}">
-                <a16:creationId xmlns:a16="http://schemas.microsoft.com/office/drawing/2014/main" id="{BD4A69E4-4003-1EEE-7ABD-4E88AF126B52}"/>
+                <a16:creationId xmlns:a16="http://schemas.microsoft.com/office/drawing/2014/main" id="{849ED4DB-D815-DC7B-E1F4-6C2D60D349C2}"/>
               </a:ext>
             </a:extLst>
           </p:cNvPr>
@@ -1318,7 +1318,7 @@
           <p:cNvPr id="4" name="内容占位符 3">
             <a:extLst>
               <a:ext uri="{FF2B5EF4-FFF2-40B4-BE49-F238E27FC236}">
-                <a16:creationId xmlns:a16="http://schemas.microsoft.com/office/drawing/2014/main" id="{F7C09D33-9A5B-C935-B5F0-B1C328C0358A}"/>
+                <a16:creationId xmlns:a16="http://schemas.microsoft.com/office/drawing/2014/main" id="{BB08CA4C-C5EF-4229-B4B5-FDCD19E307D7}"/>
               </a:ext>
             </a:extLst>
           </p:cNvPr>
@@ -1380,7 +1380,7 @@
           <p:cNvPr id="5" name="日期占位符 4">
             <a:extLst>
               <a:ext uri="{FF2B5EF4-FFF2-40B4-BE49-F238E27FC236}">
-                <a16:creationId xmlns:a16="http://schemas.microsoft.com/office/drawing/2014/main" id="{71452A85-A887-7A74-9795-636DA01EABA5}"/>
+                <a16:creationId xmlns:a16="http://schemas.microsoft.com/office/drawing/2014/main" id="{5027C64B-4838-5FBC-19E0-5C7DABC62231}"/>
               </a:ext>
             </a:extLst>
           </p:cNvPr>
@@ -1396,7 +1396,7 @@
           <a:bodyPr/>
           <a:lstStyle/>
           <a:p>
-            <a:fld id="{95A6F6A0-69D8-4A69-A49F-D7B85D5C4CD1}" type="datetimeFigureOut">
+            <a:fld id="{5B08CCA3-4126-4D33-BFD4-2E02B7B80660}" type="datetimeFigureOut">
               <a:rPr lang="zh-CN" altLang="en-US" smtClean="0"/>
               <a:t>2024/3/10</a:t>
             </a:fld>
@@ -1409,7 +1409,7 @@
           <p:cNvPr id="6" name="页脚占位符 5">
             <a:extLst>
               <a:ext uri="{FF2B5EF4-FFF2-40B4-BE49-F238E27FC236}">
-                <a16:creationId xmlns:a16="http://schemas.microsoft.com/office/drawing/2014/main" id="{F2270E5F-E5E3-0B25-4823-E829A7E3BA2D}"/>
+                <a16:creationId xmlns:a16="http://schemas.microsoft.com/office/drawing/2014/main" id="{D549A810-54D6-EF3D-2777-3730947CEE1F}"/>
               </a:ext>
             </a:extLst>
           </p:cNvPr>
@@ -1434,7 +1434,7 @@
           <p:cNvPr id="7" name="灯片编号占位符 6">
             <a:extLst>
               <a:ext uri="{FF2B5EF4-FFF2-40B4-BE49-F238E27FC236}">
-                <a16:creationId xmlns:a16="http://schemas.microsoft.com/office/drawing/2014/main" id="{0A8AA91F-80C4-E6D0-7374-CA2DF7720177}"/>
+                <a16:creationId xmlns:a16="http://schemas.microsoft.com/office/drawing/2014/main" id="{BEA88E65-CBEF-09F0-F756-8409BCC5B3CD}"/>
               </a:ext>
             </a:extLst>
           </p:cNvPr>
@@ -1450,7 +1450,7 @@
           <a:bodyPr/>
           <a:lstStyle/>
           <a:p>
-            <a:fld id="{1877DEC5-8EB4-4A1F-97E5-B83E61D097DA}" type="slidenum">
+            <a:fld id="{A01466E4-71CF-4383-9454-29A77E51602C}" type="slidenum">
               <a:rPr lang="zh-CN" altLang="en-US" smtClean="0"/>
               <a:t>‹#›</a:t>
             </a:fld>
@@ -1461,7 +1461,7 @@
     </p:spTree>
     <p:extLst>
       <p:ext uri="{BB962C8B-B14F-4D97-AF65-F5344CB8AC3E}">
-        <p14:creationId xmlns:p14="http://schemas.microsoft.com/office/powerpoint/2010/main" val="135809950"/>
+        <p14:creationId xmlns:p14="http://schemas.microsoft.com/office/powerpoint/2010/main" val="71007125"/>
       </p:ext>
     </p:extLst>
   </p:cSld>
@@ -1493,7 +1493,7 @@
           <p:cNvPr id="2" name="标题 1">
             <a:extLst>
               <a:ext uri="{FF2B5EF4-FFF2-40B4-BE49-F238E27FC236}">
-                <a16:creationId xmlns:a16="http://schemas.microsoft.com/office/drawing/2014/main" id="{F8033186-D381-8B77-94CC-1598D78CCD1F}"/>
+                <a16:creationId xmlns:a16="http://schemas.microsoft.com/office/drawing/2014/main" id="{C624950E-2D7C-D883-F6CE-F27809BBE4FA}"/>
               </a:ext>
             </a:extLst>
           </p:cNvPr>
@@ -1526,7 +1526,7 @@
           <p:cNvPr id="3" name="文本占位符 2">
             <a:extLst>
               <a:ext uri="{FF2B5EF4-FFF2-40B4-BE49-F238E27FC236}">
-                <a16:creationId xmlns:a16="http://schemas.microsoft.com/office/drawing/2014/main" id="{F1E9D378-243D-09FE-9FE9-713B6E9C9CC6}"/>
+                <a16:creationId xmlns:a16="http://schemas.microsoft.com/office/drawing/2014/main" id="{B3444C66-1A31-7207-8402-E819C00177AB}"/>
               </a:ext>
             </a:extLst>
           </p:cNvPr>
@@ -1597,7 +1597,7 @@
           <p:cNvPr id="4" name="内容占位符 3">
             <a:extLst>
               <a:ext uri="{FF2B5EF4-FFF2-40B4-BE49-F238E27FC236}">
-                <a16:creationId xmlns:a16="http://schemas.microsoft.com/office/drawing/2014/main" id="{2B203CC5-E420-09B1-E531-98CE5337CC12}"/>
+                <a16:creationId xmlns:a16="http://schemas.microsoft.com/office/drawing/2014/main" id="{4C60CDFA-11E7-DF79-7E91-FA63E09AA0D5}"/>
               </a:ext>
             </a:extLst>
           </p:cNvPr>
@@ -1659,7 +1659,7 @@
           <p:cNvPr id="5" name="文本占位符 4">
             <a:extLst>
               <a:ext uri="{FF2B5EF4-FFF2-40B4-BE49-F238E27FC236}">
-                <a16:creationId xmlns:a16="http://schemas.microsoft.com/office/drawing/2014/main" id="{325CA202-D0F7-EC29-2E6B-38D7C146AF32}"/>
+                <a16:creationId xmlns:a16="http://schemas.microsoft.com/office/drawing/2014/main" id="{54A615F3-7E79-C457-1624-D8819D104879}"/>
               </a:ext>
             </a:extLst>
           </p:cNvPr>
@@ -1730,7 +1730,7 @@
           <p:cNvPr id="6" name="内容占位符 5">
             <a:extLst>
               <a:ext uri="{FF2B5EF4-FFF2-40B4-BE49-F238E27FC236}">
-                <a16:creationId xmlns:a16="http://schemas.microsoft.com/office/drawing/2014/main" id="{4F19E913-7366-5359-7216-6AC754474858}"/>
+                <a16:creationId xmlns:a16="http://schemas.microsoft.com/office/drawing/2014/main" id="{B8DE8AB0-0105-DC74-5970-215D080A6D32}"/>
               </a:ext>
             </a:extLst>
           </p:cNvPr>
@@ -1792,7 +1792,7 @@
           <p:cNvPr id="7" name="日期占位符 6">
             <a:extLst>
               <a:ext uri="{FF2B5EF4-FFF2-40B4-BE49-F238E27FC236}">
-                <a16:creationId xmlns:a16="http://schemas.microsoft.com/office/drawing/2014/main" id="{9E3DEEA1-2EAF-D650-DFF2-3B6284531C44}"/>
+                <a16:creationId xmlns:a16="http://schemas.microsoft.com/office/drawing/2014/main" id="{4395E312-E065-0D46-3096-539557BA623B}"/>
               </a:ext>
             </a:extLst>
           </p:cNvPr>
@@ -1808,7 +1808,7 @@
           <a:bodyPr/>
           <a:lstStyle/>
           <a:p>
-            <a:fld id="{95A6F6A0-69D8-4A69-A49F-D7B85D5C4CD1}" type="datetimeFigureOut">
+            <a:fld id="{5B08CCA3-4126-4D33-BFD4-2E02B7B80660}" type="datetimeFigureOut">
               <a:rPr lang="zh-CN" altLang="en-US" smtClean="0"/>
               <a:t>2024/3/10</a:t>
             </a:fld>
@@ -1821,7 +1821,7 @@
           <p:cNvPr id="8" name="页脚占位符 7">
             <a:extLst>
               <a:ext uri="{FF2B5EF4-FFF2-40B4-BE49-F238E27FC236}">
-                <a16:creationId xmlns:a16="http://schemas.microsoft.com/office/drawing/2014/main" id="{6E90C593-A662-29D5-AABF-568750EC1DE1}"/>
+                <a16:creationId xmlns:a16="http://schemas.microsoft.com/office/drawing/2014/main" id="{6045F7A0-7D3F-5DB5-A58C-1DA8ACD295B3}"/>
               </a:ext>
             </a:extLst>
           </p:cNvPr>
@@ -1846,7 +1846,7 @@
           <p:cNvPr id="9" name="灯片编号占位符 8">
             <a:extLst>
               <a:ext uri="{FF2B5EF4-FFF2-40B4-BE49-F238E27FC236}">
-                <a16:creationId xmlns:a16="http://schemas.microsoft.com/office/drawing/2014/main" id="{B39CD057-1E11-0CBB-03B7-81BBE802B453}"/>
+                <a16:creationId xmlns:a16="http://schemas.microsoft.com/office/drawing/2014/main" id="{D678C64F-9CC0-B241-67A9-E4570984CC37}"/>
               </a:ext>
             </a:extLst>
           </p:cNvPr>
@@ -1862,7 +1862,7 @@
           <a:bodyPr/>
           <a:lstStyle/>
           <a:p>
-            <a:fld id="{1877DEC5-8EB4-4A1F-97E5-B83E61D097DA}" type="slidenum">
+            <a:fld id="{A01466E4-71CF-4383-9454-29A77E51602C}" type="slidenum">
               <a:rPr lang="zh-CN" altLang="en-US" smtClean="0"/>
               <a:t>‹#›</a:t>
             </a:fld>
@@ -1873,7 +1873,7 @@
     </p:spTree>
     <p:extLst>
       <p:ext uri="{BB962C8B-B14F-4D97-AF65-F5344CB8AC3E}">
-        <p14:creationId xmlns:p14="http://schemas.microsoft.com/office/powerpoint/2010/main" val="1456704305"/>
+        <p14:creationId xmlns:p14="http://schemas.microsoft.com/office/powerpoint/2010/main" val="381634152"/>
       </p:ext>
     </p:extLst>
   </p:cSld>
@@ -1905,7 +1905,7 @@
           <p:cNvPr id="2" name="标题 1">
             <a:extLst>
               <a:ext uri="{FF2B5EF4-FFF2-40B4-BE49-F238E27FC236}">
-                <a16:creationId xmlns:a16="http://schemas.microsoft.com/office/drawing/2014/main" id="{DA9D4300-05C5-BF61-435C-548736E4BBFF}"/>
+                <a16:creationId xmlns:a16="http://schemas.microsoft.com/office/drawing/2014/main" id="{C3D60D00-2050-03D6-4638-2F538B53B63C}"/>
               </a:ext>
             </a:extLst>
           </p:cNvPr>
@@ -1933,7 +1933,7 @@
           <p:cNvPr id="3" name="日期占位符 2">
             <a:extLst>
               <a:ext uri="{FF2B5EF4-FFF2-40B4-BE49-F238E27FC236}">
-                <a16:creationId xmlns:a16="http://schemas.microsoft.com/office/drawing/2014/main" id="{E93AC386-1FD6-4ED6-1DA6-1864814A35C9}"/>
+                <a16:creationId xmlns:a16="http://schemas.microsoft.com/office/drawing/2014/main" id="{08ACFE74-4CDE-5960-8C42-7370977B0CDB}"/>
               </a:ext>
             </a:extLst>
           </p:cNvPr>
@@ -1949,7 +1949,7 @@
           <a:bodyPr/>
           <a:lstStyle/>
           <a:p>
-            <a:fld id="{95A6F6A0-69D8-4A69-A49F-D7B85D5C4CD1}" type="datetimeFigureOut">
+            <a:fld id="{5B08CCA3-4126-4D33-BFD4-2E02B7B80660}" type="datetimeFigureOut">
               <a:rPr lang="zh-CN" altLang="en-US" smtClean="0"/>
               <a:t>2024/3/10</a:t>
             </a:fld>
@@ -1962,7 +1962,7 @@
           <p:cNvPr id="4" name="页脚占位符 3">
             <a:extLst>
               <a:ext uri="{FF2B5EF4-FFF2-40B4-BE49-F238E27FC236}">
-                <a16:creationId xmlns:a16="http://schemas.microsoft.com/office/drawing/2014/main" id="{25023AA7-EF43-3057-8440-5B58F5444755}"/>
+                <a16:creationId xmlns:a16="http://schemas.microsoft.com/office/drawing/2014/main" id="{77E6D4F1-26BD-0296-3998-EC8C6CC34E76}"/>
               </a:ext>
             </a:extLst>
           </p:cNvPr>
@@ -1987,7 +1987,7 @@
           <p:cNvPr id="5" name="灯片编号占位符 4">
             <a:extLst>
               <a:ext uri="{FF2B5EF4-FFF2-40B4-BE49-F238E27FC236}">
-                <a16:creationId xmlns:a16="http://schemas.microsoft.com/office/drawing/2014/main" id="{59071B3A-BFCE-38E4-6B4A-FB859C72E545}"/>
+                <a16:creationId xmlns:a16="http://schemas.microsoft.com/office/drawing/2014/main" id="{0F4FEA0E-5385-80C5-207B-944FDE1E63FA}"/>
               </a:ext>
             </a:extLst>
           </p:cNvPr>
@@ -2003,7 +2003,7 @@
           <a:bodyPr/>
           <a:lstStyle/>
           <a:p>
-            <a:fld id="{1877DEC5-8EB4-4A1F-97E5-B83E61D097DA}" type="slidenum">
+            <a:fld id="{A01466E4-71CF-4383-9454-29A77E51602C}" type="slidenum">
               <a:rPr lang="zh-CN" altLang="en-US" smtClean="0"/>
               <a:t>‹#›</a:t>
             </a:fld>
@@ -2014,7 +2014,7 @@
     </p:spTree>
     <p:extLst>
       <p:ext uri="{BB962C8B-B14F-4D97-AF65-F5344CB8AC3E}">
-        <p14:creationId xmlns:p14="http://schemas.microsoft.com/office/powerpoint/2010/main" val="4224552296"/>
+        <p14:creationId xmlns:p14="http://schemas.microsoft.com/office/powerpoint/2010/main" val="1679880801"/>
       </p:ext>
     </p:extLst>
   </p:cSld>
@@ -2046,7 +2046,7 @@
           <p:cNvPr id="2" name="日期占位符 1">
             <a:extLst>
               <a:ext uri="{FF2B5EF4-FFF2-40B4-BE49-F238E27FC236}">
-                <a16:creationId xmlns:a16="http://schemas.microsoft.com/office/drawing/2014/main" id="{B57CC30C-D1D6-6A6A-DC86-C81DC36CFB39}"/>
+                <a16:creationId xmlns:a16="http://schemas.microsoft.com/office/drawing/2014/main" id="{8CC2F5F2-2EEA-CCD3-7647-BB60FE2946C0}"/>
               </a:ext>
             </a:extLst>
           </p:cNvPr>
@@ -2062,7 +2062,7 @@
           <a:bodyPr/>
           <a:lstStyle/>
           <a:p>
-            <a:fld id="{95A6F6A0-69D8-4A69-A49F-D7B85D5C4CD1}" type="datetimeFigureOut">
+            <a:fld id="{5B08CCA3-4126-4D33-BFD4-2E02B7B80660}" type="datetimeFigureOut">
               <a:rPr lang="zh-CN" altLang="en-US" smtClean="0"/>
               <a:t>2024/3/10</a:t>
             </a:fld>
@@ -2075,7 +2075,7 @@
           <p:cNvPr id="3" name="页脚占位符 2">
             <a:extLst>
               <a:ext uri="{FF2B5EF4-FFF2-40B4-BE49-F238E27FC236}">
-                <a16:creationId xmlns:a16="http://schemas.microsoft.com/office/drawing/2014/main" id="{F6B9D6AD-4751-81EF-1CCC-3E907CEDC534}"/>
+                <a16:creationId xmlns:a16="http://schemas.microsoft.com/office/drawing/2014/main" id="{13E747F7-8043-DBA4-D6A9-8C47FE0417CF}"/>
               </a:ext>
             </a:extLst>
           </p:cNvPr>
@@ -2100,7 +2100,7 @@
           <p:cNvPr id="4" name="灯片编号占位符 3">
             <a:extLst>
               <a:ext uri="{FF2B5EF4-FFF2-40B4-BE49-F238E27FC236}">
-                <a16:creationId xmlns:a16="http://schemas.microsoft.com/office/drawing/2014/main" id="{57B15E93-48F9-207C-94E4-39C9BBC4B50C}"/>
+                <a16:creationId xmlns:a16="http://schemas.microsoft.com/office/drawing/2014/main" id="{2311E2D3-1768-ECF5-4DC9-406A687CC45F}"/>
               </a:ext>
             </a:extLst>
           </p:cNvPr>
@@ -2116,7 +2116,7 @@
           <a:bodyPr/>
           <a:lstStyle/>
           <a:p>
-            <a:fld id="{1877DEC5-8EB4-4A1F-97E5-B83E61D097DA}" type="slidenum">
+            <a:fld id="{A01466E4-71CF-4383-9454-29A77E51602C}" type="slidenum">
               <a:rPr lang="zh-CN" altLang="en-US" smtClean="0"/>
               <a:t>‹#›</a:t>
             </a:fld>
@@ -2127,7 +2127,7 @@
     </p:spTree>
     <p:extLst>
       <p:ext uri="{BB962C8B-B14F-4D97-AF65-F5344CB8AC3E}">
-        <p14:creationId xmlns:p14="http://schemas.microsoft.com/office/powerpoint/2010/main" val="798760057"/>
+        <p14:creationId xmlns:p14="http://schemas.microsoft.com/office/powerpoint/2010/main" val="2817711070"/>
       </p:ext>
     </p:extLst>
   </p:cSld>
@@ -2159,7 +2159,7 @@
           <p:cNvPr id="2" name="标题 1">
             <a:extLst>
               <a:ext uri="{FF2B5EF4-FFF2-40B4-BE49-F238E27FC236}">
-                <a16:creationId xmlns:a16="http://schemas.microsoft.com/office/drawing/2014/main" id="{FFE5EA13-65C4-2C7F-0E40-01B2A5A1F65E}"/>
+                <a16:creationId xmlns:a16="http://schemas.microsoft.com/office/drawing/2014/main" id="{E0D492C5-FCF6-91DE-7D45-0B38E78DECB8}"/>
               </a:ext>
             </a:extLst>
           </p:cNvPr>
@@ -2196,7 +2196,7 @@
           <p:cNvPr id="3" name="内容占位符 2">
             <a:extLst>
               <a:ext uri="{FF2B5EF4-FFF2-40B4-BE49-F238E27FC236}">
-                <a16:creationId xmlns:a16="http://schemas.microsoft.com/office/drawing/2014/main" id="{D4993A74-A460-C300-7243-0AAC1E7CE41F}"/>
+                <a16:creationId xmlns:a16="http://schemas.microsoft.com/office/drawing/2014/main" id="{AEF421D4-AA19-2512-C069-0D36C3ADB079}"/>
               </a:ext>
             </a:extLst>
           </p:cNvPr>
@@ -2286,7 +2286,7 @@
           <p:cNvPr id="4" name="文本占位符 3">
             <a:extLst>
               <a:ext uri="{FF2B5EF4-FFF2-40B4-BE49-F238E27FC236}">
-                <a16:creationId xmlns:a16="http://schemas.microsoft.com/office/drawing/2014/main" id="{741E71A6-45FF-C959-07C7-860EA3F8F628}"/>
+                <a16:creationId xmlns:a16="http://schemas.microsoft.com/office/drawing/2014/main" id="{8B8B5C5C-F954-4B0B-892E-2E36A4BB6253}"/>
               </a:ext>
             </a:extLst>
           </p:cNvPr>
@@ -2357,7 +2357,7 @@
           <p:cNvPr id="5" name="日期占位符 4">
             <a:extLst>
               <a:ext uri="{FF2B5EF4-FFF2-40B4-BE49-F238E27FC236}">
-                <a16:creationId xmlns:a16="http://schemas.microsoft.com/office/drawing/2014/main" id="{2511A70E-1E4E-7889-A2D0-0B1D26E2B765}"/>
+                <a16:creationId xmlns:a16="http://schemas.microsoft.com/office/drawing/2014/main" id="{9FE536FB-E82D-6FC9-31D1-4FF4E045DECC}"/>
               </a:ext>
             </a:extLst>
           </p:cNvPr>
@@ -2373,7 +2373,7 @@
           <a:bodyPr/>
           <a:lstStyle/>
           <a:p>
-            <a:fld id="{95A6F6A0-69D8-4A69-A49F-D7B85D5C4CD1}" type="datetimeFigureOut">
+            <a:fld id="{5B08CCA3-4126-4D33-BFD4-2E02B7B80660}" type="datetimeFigureOut">
               <a:rPr lang="zh-CN" altLang="en-US" smtClean="0"/>
               <a:t>2024/3/10</a:t>
             </a:fld>
@@ -2386,7 +2386,7 @@
           <p:cNvPr id="6" name="页脚占位符 5">
             <a:extLst>
               <a:ext uri="{FF2B5EF4-FFF2-40B4-BE49-F238E27FC236}">
-                <a16:creationId xmlns:a16="http://schemas.microsoft.com/office/drawing/2014/main" id="{FFD1A33B-F392-6DF0-627C-3CD10F7AC546}"/>
+                <a16:creationId xmlns:a16="http://schemas.microsoft.com/office/drawing/2014/main" id="{189E9A78-8F5D-B863-9459-EDAF940DA33A}"/>
               </a:ext>
             </a:extLst>
           </p:cNvPr>
@@ -2411,7 +2411,7 @@
           <p:cNvPr id="7" name="灯片编号占位符 6">
             <a:extLst>
               <a:ext uri="{FF2B5EF4-FFF2-40B4-BE49-F238E27FC236}">
-                <a16:creationId xmlns:a16="http://schemas.microsoft.com/office/drawing/2014/main" id="{47CAD4DF-9C6B-B203-057C-B3333765E18F}"/>
+                <a16:creationId xmlns:a16="http://schemas.microsoft.com/office/drawing/2014/main" id="{370A985E-F519-A85B-6DE5-05811C771AC1}"/>
               </a:ext>
             </a:extLst>
           </p:cNvPr>
@@ -2427,7 +2427,7 @@
           <a:bodyPr/>
           <a:lstStyle/>
           <a:p>
-            <a:fld id="{1877DEC5-8EB4-4A1F-97E5-B83E61D097DA}" type="slidenum">
+            <a:fld id="{A01466E4-71CF-4383-9454-29A77E51602C}" type="slidenum">
               <a:rPr lang="zh-CN" altLang="en-US" smtClean="0"/>
               <a:t>‹#›</a:t>
             </a:fld>
@@ -2438,7 +2438,7 @@
     </p:spTree>
     <p:extLst>
       <p:ext uri="{BB962C8B-B14F-4D97-AF65-F5344CB8AC3E}">
-        <p14:creationId xmlns:p14="http://schemas.microsoft.com/office/powerpoint/2010/main" val="2345829785"/>
+        <p14:creationId xmlns:p14="http://schemas.microsoft.com/office/powerpoint/2010/main" val="2480180592"/>
       </p:ext>
     </p:extLst>
   </p:cSld>
@@ -2470,7 +2470,7 @@
           <p:cNvPr id="2" name="标题 1">
             <a:extLst>
               <a:ext uri="{FF2B5EF4-FFF2-40B4-BE49-F238E27FC236}">
-                <a16:creationId xmlns:a16="http://schemas.microsoft.com/office/drawing/2014/main" id="{D8C2403B-F2C2-FB88-E7C2-A6D91507243C}"/>
+                <a16:creationId xmlns:a16="http://schemas.microsoft.com/office/drawing/2014/main" id="{5D9B2E63-573F-E9D0-E760-AD9DE05D8351}"/>
               </a:ext>
             </a:extLst>
           </p:cNvPr>
@@ -2507,7 +2507,7 @@
           <p:cNvPr id="3" name="图片占位符 2">
             <a:extLst>
               <a:ext uri="{FF2B5EF4-FFF2-40B4-BE49-F238E27FC236}">
-                <a16:creationId xmlns:a16="http://schemas.microsoft.com/office/drawing/2014/main" id="{AC4AFA06-4205-56D9-7512-7839DC6800DC}"/>
+                <a16:creationId xmlns:a16="http://schemas.microsoft.com/office/drawing/2014/main" id="{A526F940-C437-5D50-FE98-EE8FC3269A2A}"/>
               </a:ext>
             </a:extLst>
           </p:cNvPr>
@@ -2574,7 +2574,7 @@
           <p:cNvPr id="4" name="文本占位符 3">
             <a:extLst>
               <a:ext uri="{FF2B5EF4-FFF2-40B4-BE49-F238E27FC236}">
-                <a16:creationId xmlns:a16="http://schemas.microsoft.com/office/drawing/2014/main" id="{5C9C1AEC-7462-0160-C102-2C42B2CCD1BF}"/>
+                <a16:creationId xmlns:a16="http://schemas.microsoft.com/office/drawing/2014/main" id="{7D23C238-B713-7C13-94A0-2F2C60C4BEC8}"/>
               </a:ext>
             </a:extLst>
           </p:cNvPr>
@@ -2645,7 +2645,7 @@
           <p:cNvPr id="5" name="日期占位符 4">
             <a:extLst>
               <a:ext uri="{FF2B5EF4-FFF2-40B4-BE49-F238E27FC236}">
-                <a16:creationId xmlns:a16="http://schemas.microsoft.com/office/drawing/2014/main" id="{511BD2A7-A19D-EED8-C380-7B5BA45AFDA5}"/>
+                <a16:creationId xmlns:a16="http://schemas.microsoft.com/office/drawing/2014/main" id="{CFAC99CF-EAD7-3757-868D-F06017E1DE40}"/>
               </a:ext>
             </a:extLst>
           </p:cNvPr>
@@ -2661,7 +2661,7 @@
           <a:bodyPr/>
           <a:lstStyle/>
           <a:p>
-            <a:fld id="{95A6F6A0-69D8-4A69-A49F-D7B85D5C4CD1}" type="datetimeFigureOut">
+            <a:fld id="{5B08CCA3-4126-4D33-BFD4-2E02B7B80660}" type="datetimeFigureOut">
               <a:rPr lang="zh-CN" altLang="en-US" smtClean="0"/>
               <a:t>2024/3/10</a:t>
             </a:fld>
@@ -2674,7 +2674,7 @@
           <p:cNvPr id="6" name="页脚占位符 5">
             <a:extLst>
               <a:ext uri="{FF2B5EF4-FFF2-40B4-BE49-F238E27FC236}">
-                <a16:creationId xmlns:a16="http://schemas.microsoft.com/office/drawing/2014/main" id="{EA14A25C-3D20-C638-E41E-C1F1C1A1B390}"/>
+                <a16:creationId xmlns:a16="http://schemas.microsoft.com/office/drawing/2014/main" id="{4133C492-F3AD-FD9E-A01F-532C5C956172}"/>
               </a:ext>
             </a:extLst>
           </p:cNvPr>
@@ -2699,7 +2699,7 @@
           <p:cNvPr id="7" name="灯片编号占位符 6">
             <a:extLst>
               <a:ext uri="{FF2B5EF4-FFF2-40B4-BE49-F238E27FC236}">
-                <a16:creationId xmlns:a16="http://schemas.microsoft.com/office/drawing/2014/main" id="{637C286F-29F3-6C15-8AF9-82830E88AABA}"/>
+                <a16:creationId xmlns:a16="http://schemas.microsoft.com/office/drawing/2014/main" id="{8DA2079F-1C0E-2918-4272-B1FC30A10AF6}"/>
               </a:ext>
             </a:extLst>
           </p:cNvPr>
@@ -2715,7 +2715,7 @@
           <a:bodyPr/>
           <a:lstStyle/>
           <a:p>
-            <a:fld id="{1877DEC5-8EB4-4A1F-97E5-B83E61D097DA}" type="slidenum">
+            <a:fld id="{A01466E4-71CF-4383-9454-29A77E51602C}" type="slidenum">
               <a:rPr lang="zh-CN" altLang="en-US" smtClean="0"/>
               <a:t>‹#›</a:t>
             </a:fld>
@@ -2726,7 +2726,7 @@
     </p:spTree>
     <p:extLst>
       <p:ext uri="{BB962C8B-B14F-4D97-AF65-F5344CB8AC3E}">
-        <p14:creationId xmlns:p14="http://schemas.microsoft.com/office/powerpoint/2010/main" val="2636627899"/>
+        <p14:creationId xmlns:p14="http://schemas.microsoft.com/office/powerpoint/2010/main" val="3885853009"/>
       </p:ext>
     </p:extLst>
   </p:cSld>
@@ -2763,7 +2763,7 @@
           <p:cNvPr id="2" name="标题占位符 1">
             <a:extLst>
               <a:ext uri="{FF2B5EF4-FFF2-40B4-BE49-F238E27FC236}">
-                <a16:creationId xmlns:a16="http://schemas.microsoft.com/office/drawing/2014/main" id="{45710927-A5C0-F635-5302-042510037F00}"/>
+                <a16:creationId xmlns:a16="http://schemas.microsoft.com/office/drawing/2014/main" id="{E5BF2219-D659-94FC-0E8D-A064E7356D5F}"/>
               </a:ext>
             </a:extLst>
           </p:cNvPr>
@@ -2801,7 +2801,7 @@
           <p:cNvPr id="3" name="文本占位符 2">
             <a:extLst>
               <a:ext uri="{FF2B5EF4-FFF2-40B4-BE49-F238E27FC236}">
-                <a16:creationId xmlns:a16="http://schemas.microsoft.com/office/drawing/2014/main" id="{189CF174-75AF-2207-A5D0-61664E046BBA}"/>
+                <a16:creationId xmlns:a16="http://schemas.microsoft.com/office/drawing/2014/main" id="{75DFEBA5-408B-3D2D-44FB-203693D10563}"/>
               </a:ext>
             </a:extLst>
           </p:cNvPr>
@@ -2868,7 +2868,7 @@
           <p:cNvPr id="4" name="日期占位符 3">
             <a:extLst>
               <a:ext uri="{FF2B5EF4-FFF2-40B4-BE49-F238E27FC236}">
-                <a16:creationId xmlns:a16="http://schemas.microsoft.com/office/drawing/2014/main" id="{2DA0A5D9-1F66-35B1-33BA-F3860A8939C2}"/>
+                <a16:creationId xmlns:a16="http://schemas.microsoft.com/office/drawing/2014/main" id="{D66BD72A-6A15-2075-AEE0-A76FD7FE3C0C}"/>
               </a:ext>
             </a:extLst>
           </p:cNvPr>
@@ -2902,7 +2902,7 @@
             </a:lvl1pPr>
           </a:lstStyle>
           <a:p>
-            <a:fld id="{95A6F6A0-69D8-4A69-A49F-D7B85D5C4CD1}" type="datetimeFigureOut">
+            <a:fld id="{5B08CCA3-4126-4D33-BFD4-2E02B7B80660}" type="datetimeFigureOut">
               <a:rPr lang="zh-CN" altLang="en-US" smtClean="0"/>
               <a:t>2024/3/10</a:t>
             </a:fld>
@@ -2915,7 +2915,7 @@
           <p:cNvPr id="5" name="页脚占位符 4">
             <a:extLst>
               <a:ext uri="{FF2B5EF4-FFF2-40B4-BE49-F238E27FC236}">
-                <a16:creationId xmlns:a16="http://schemas.microsoft.com/office/drawing/2014/main" id="{550FAD69-1E5D-D28B-44B2-4102514F3607}"/>
+                <a16:creationId xmlns:a16="http://schemas.microsoft.com/office/drawing/2014/main" id="{70A438BF-4C43-4ED6-D2A4-F1E581DFFD8B}"/>
               </a:ext>
             </a:extLst>
           </p:cNvPr>
@@ -2958,7 +2958,7 @@
           <p:cNvPr id="6" name="灯片编号占位符 5">
             <a:extLst>
               <a:ext uri="{FF2B5EF4-FFF2-40B4-BE49-F238E27FC236}">
-                <a16:creationId xmlns:a16="http://schemas.microsoft.com/office/drawing/2014/main" id="{AF9E0FCE-5393-E2A3-078F-CF58D0871DB9}"/>
+                <a16:creationId xmlns:a16="http://schemas.microsoft.com/office/drawing/2014/main" id="{C27627A8-002A-E79E-B8F1-669E9E885CE9}"/>
               </a:ext>
             </a:extLst>
           </p:cNvPr>
@@ -2992,7 +2992,7 @@
             </a:lvl1pPr>
           </a:lstStyle>
           <a:p>
-            <a:fld id="{1877DEC5-8EB4-4A1F-97E5-B83E61D097DA}" type="slidenum">
+            <a:fld id="{A01466E4-71CF-4383-9454-29A77E51602C}" type="slidenum">
               <a:rPr lang="zh-CN" altLang="en-US" smtClean="0"/>
               <a:t>‹#›</a:t>
             </a:fld>
@@ -3003,7 +3003,7 @@
     </p:spTree>
     <p:extLst>
       <p:ext uri="{BB962C8B-B14F-4D97-AF65-F5344CB8AC3E}">
-        <p14:creationId xmlns:p14="http://schemas.microsoft.com/office/powerpoint/2010/main" val="3858428772"/>
+        <p14:creationId xmlns:p14="http://schemas.microsoft.com/office/powerpoint/2010/main" val="1177292416"/>
       </p:ext>
     </p:extLst>
   </p:cSld>
